--- a/assets/tactile_image_files/0003-volcano_types/0003-volcano_types.pptx
+++ b/assets/tactile_image_files/0003-volcano_types/0003-volcano_types.pptx
@@ -253,7 +253,7 @@
           <a:p>
             <a:fld id="{E796F801-3BB8-A247-923B-F07F1B58D38A}" type="datetimeFigureOut">
               <a:rPr lang="en-US" smtClean="0"/>
-              <a:t>7/23/20</a:t>
+              <a:t>6/17/21</a:t>
             </a:fld>
             <a:endParaRPr lang="en-US"/>
           </a:p>
@@ -433,7 +433,7 @@
           <a:p>
             <a:fld id="{E796F801-3BB8-A247-923B-F07F1B58D38A}" type="datetimeFigureOut">
               <a:rPr lang="en-US" smtClean="0"/>
-              <a:t>7/23/20</a:t>
+              <a:t>6/17/21</a:t>
             </a:fld>
             <a:endParaRPr lang="en-US"/>
           </a:p>
@@ -603,7 +603,7 @@
           <a:p>
             <a:fld id="{E796F801-3BB8-A247-923B-F07F1B58D38A}" type="datetimeFigureOut">
               <a:rPr lang="en-US" smtClean="0"/>
-              <a:t>7/23/20</a:t>
+              <a:t>6/17/21</a:t>
             </a:fld>
             <a:endParaRPr lang="en-US"/>
           </a:p>
@@ -847,7 +847,7 @@
           <a:p>
             <a:fld id="{E796F801-3BB8-A247-923B-F07F1B58D38A}" type="datetimeFigureOut">
               <a:rPr lang="en-US" smtClean="0"/>
-              <a:t>7/23/20</a:t>
+              <a:t>6/17/21</a:t>
             </a:fld>
             <a:endParaRPr lang="en-US"/>
           </a:p>
@@ -1079,7 +1079,7 @@
           <a:p>
             <a:fld id="{E796F801-3BB8-A247-923B-F07F1B58D38A}" type="datetimeFigureOut">
               <a:rPr lang="en-US" smtClean="0"/>
-              <a:t>7/23/20</a:t>
+              <a:t>6/17/21</a:t>
             </a:fld>
             <a:endParaRPr lang="en-US"/>
           </a:p>
@@ -1446,7 +1446,7 @@
           <a:p>
             <a:fld id="{E796F801-3BB8-A247-923B-F07F1B58D38A}" type="datetimeFigureOut">
               <a:rPr lang="en-US" smtClean="0"/>
-              <a:t>7/23/20</a:t>
+              <a:t>6/17/21</a:t>
             </a:fld>
             <a:endParaRPr lang="en-US"/>
           </a:p>
@@ -1564,7 +1564,7 @@
           <a:p>
             <a:fld id="{E796F801-3BB8-A247-923B-F07F1B58D38A}" type="datetimeFigureOut">
               <a:rPr lang="en-US" smtClean="0"/>
-              <a:t>7/23/20</a:t>
+              <a:t>6/17/21</a:t>
             </a:fld>
             <a:endParaRPr lang="en-US"/>
           </a:p>
@@ -1659,7 +1659,7 @@
           <a:p>
             <a:fld id="{E796F801-3BB8-A247-923B-F07F1B58D38A}" type="datetimeFigureOut">
               <a:rPr lang="en-US" smtClean="0"/>
-              <a:t>7/23/20</a:t>
+              <a:t>6/17/21</a:t>
             </a:fld>
             <a:endParaRPr lang="en-US"/>
           </a:p>
@@ -1936,7 +1936,7 @@
           <a:p>
             <a:fld id="{E796F801-3BB8-A247-923B-F07F1B58D38A}" type="datetimeFigureOut">
               <a:rPr lang="en-US" smtClean="0"/>
-              <a:t>7/23/20</a:t>
+              <a:t>6/17/21</a:t>
             </a:fld>
             <a:endParaRPr lang="en-US"/>
           </a:p>
@@ -2193,7 +2193,7 @@
           <a:p>
             <a:fld id="{E796F801-3BB8-A247-923B-F07F1B58D38A}" type="datetimeFigureOut">
               <a:rPr lang="en-US" smtClean="0"/>
-              <a:t>7/23/20</a:t>
+              <a:t>6/17/21</a:t>
             </a:fld>
             <a:endParaRPr lang="en-US"/>
           </a:p>
@@ -2406,7 +2406,7 @@
           <a:p>
             <a:fld id="{E796F801-3BB8-A247-923B-F07F1B58D38A}" type="datetimeFigureOut">
               <a:rPr lang="en-US" smtClean="0"/>
-              <a:t>7/23/20</a:t>
+              <a:t>6/17/21</a:t>
             </a:fld>
             <a:endParaRPr lang="en-US"/>
           </a:p>
@@ -3094,12 +3094,12 @@
           <a:prstGeom prst="straightConnector1">
             <a:avLst/>
           </a:prstGeom>
-          <a:ln>
+          <a:ln w="22225">
             <a:solidFill>
               <a:schemeClr val="tx1"/>
             </a:solidFill>
-            <a:headEnd type="triangle" w="med" len="med"/>
-            <a:tailEnd type="triangle"/>
+            <a:headEnd type="triangle" w="lg" len="lg"/>
+            <a:tailEnd type="triangle" w="lg" len="lg"/>
           </a:ln>
         </p:spPr>
         <p:style>
@@ -3139,12 +3139,12 @@
           <a:prstGeom prst="straightConnector1">
             <a:avLst/>
           </a:prstGeom>
-          <a:ln>
+          <a:ln w="22225">
             <a:solidFill>
               <a:schemeClr val="tx1"/>
             </a:solidFill>
-            <a:headEnd type="triangle" w="med" len="med"/>
-            <a:tailEnd type="triangle"/>
+            <a:headEnd type="triangle" w="lg" len="lg"/>
+            <a:tailEnd type="triangle" w="lg" len="lg"/>
           </a:ln>
         </p:spPr>
         <p:style>
@@ -3260,12 +3260,12 @@
           <a:prstGeom prst="straightConnector1">
             <a:avLst/>
           </a:prstGeom>
-          <a:ln>
+          <a:ln w="22225">
             <a:solidFill>
               <a:schemeClr val="tx1"/>
             </a:solidFill>
-            <a:headEnd type="triangle" w="med" len="med"/>
-            <a:tailEnd type="triangle"/>
+            <a:headEnd type="triangle" w="lg" len="lg"/>
+            <a:tailEnd type="triangle" w="lg" len="lg"/>
           </a:ln>
         </p:spPr>
         <p:style>
@@ -3305,12 +3305,12 @@
           <a:prstGeom prst="straightConnector1">
             <a:avLst/>
           </a:prstGeom>
-          <a:ln>
+          <a:ln w="22225">
             <a:solidFill>
               <a:schemeClr val="tx1"/>
             </a:solidFill>
-            <a:headEnd type="triangle" w="med" len="med"/>
-            <a:tailEnd type="triangle"/>
+            <a:headEnd type="triangle" w="lg" len="lg"/>
+            <a:tailEnd type="triangle" w="lg" len="lg"/>
           </a:ln>
         </p:spPr>
         <p:style>
@@ -3684,7 +3684,7 @@
           <a:lstStyle/>
           <a:p>
             <a:r>
-              <a:rPr lang="en-US" sz="2400">
+              <a:rPr lang="en-US" sz="2400" dirty="0">
                 <a:latin typeface="Swell Braille" pitchFamily="49"/>
               </a:rPr>
               <a:t>⠩⠊⠑⠇⠙</a:t>
@@ -3795,20 +3795,205 @@
           <a:lstStyle/>
           <a:p>
             <a:r>
+              <a:rPr lang="en-US" sz="2400" dirty="0">
+                <a:latin typeface="Swell Braille" pitchFamily="49"/>
+              </a:rPr>
+              <a:t>⠌⠗⠁⠞⠕⠧⠕⠇⠉⠁⠝⠕⠀⠕⠗⠀⠉⠕⠍⠏⠕⠎⠊⠞⠑⠀⠉⠐⠕</a:t>
+            </a:r>
+          </a:p>
+        </p:txBody>
+      </p:sp>
+      <p:sp>
+        <p:nvSpPr>
+          <p:cNvPr id="32" name="TextBox 31">
+            <a:extLst>
+              <a:ext uri="{FF2B5EF4-FFF2-40B4-BE49-F238E27FC236}">
+                <a16:creationId xmlns:a16="http://schemas.microsoft.com/office/drawing/2014/main" id="{CB56D552-535E-9D42-A509-E30A905F6CB9}"/>
+              </a:ext>
+            </a:extLst>
+          </p:cNvPr>
+          <p:cNvSpPr txBox="1"/>
+          <p:nvPr/>
+        </p:nvSpPr>
+        <p:spPr>
+          <a:xfrm>
+            <a:off x="112889" y="4143022"/>
+            <a:ext cx="2858475" cy="461665"/>
+          </a:xfrm>
+          <a:prstGeom prst="rect">
+            <a:avLst/>
+          </a:prstGeom>
+          <a:noFill/>
+        </p:spPr>
+        <p:txBody>
+          <a:bodyPr wrap="none" rtlCol="0">
+            <a:spAutoFit/>
+          </a:bodyPr>
+          <a:lstStyle/>
+          <a:p>
+            <a:r>
+              <a:rPr lang="en-US" sz="2400" dirty="0">
+                <a:latin typeface="Swell Braille" pitchFamily="49"/>
+              </a:rPr>
+              <a:t>⠈⠣ ⠼⠓⠚⠚⠚⠀⠋⠞⠲</a:t>
+            </a:r>
+          </a:p>
+        </p:txBody>
+      </p:sp>
+      <p:sp>
+        <p:nvSpPr>
+          <p:cNvPr id="33" name="TextBox 32">
+            <a:extLst>
+              <a:ext uri="{FF2B5EF4-FFF2-40B4-BE49-F238E27FC236}">
+                <a16:creationId xmlns:a16="http://schemas.microsoft.com/office/drawing/2014/main" id="{41E71855-08E9-A94E-B36E-F6874C40535E}"/>
+              </a:ext>
+            </a:extLst>
+          </p:cNvPr>
+          <p:cNvSpPr txBox="1"/>
+          <p:nvPr/>
+        </p:nvSpPr>
+        <p:spPr>
+          <a:xfrm>
+            <a:off x="503011" y="2602087"/>
+            <a:ext cx="2858475" cy="461665"/>
+          </a:xfrm>
+          <a:prstGeom prst="rect">
+            <a:avLst/>
+          </a:prstGeom>
+          <a:noFill/>
+        </p:spPr>
+        <p:txBody>
+          <a:bodyPr wrap="none" rtlCol="0">
+            <a:spAutoFit/>
+          </a:bodyPr>
+          <a:lstStyle/>
+          <a:p>
+            <a:r>
+              <a:rPr lang="en-US" sz="2400" dirty="0">
+                <a:latin typeface="Swell Braille" pitchFamily="49"/>
+              </a:rPr>
+              <a:t>⠈⠣ ⠼⠁⠃⠚⠚⠀⠋⠞⠲</a:t>
+            </a:r>
+          </a:p>
+        </p:txBody>
+      </p:sp>
+      <p:sp>
+        <p:nvSpPr>
+          <p:cNvPr id="38" name="TextBox 37">
+            <a:extLst>
+              <a:ext uri="{FF2B5EF4-FFF2-40B4-BE49-F238E27FC236}">
+                <a16:creationId xmlns:a16="http://schemas.microsoft.com/office/drawing/2014/main" id="{FD10E7E2-2C9F-6D47-A1A0-2AAD85B136A0}"/>
+              </a:ext>
+            </a:extLst>
+          </p:cNvPr>
+          <p:cNvSpPr txBox="1"/>
+          <p:nvPr/>
+        </p:nvSpPr>
+        <p:spPr>
+          <a:xfrm>
+            <a:off x="0" y="835376"/>
+            <a:ext cx="3081293" cy="461665"/>
+          </a:xfrm>
+          <a:prstGeom prst="rect">
+            <a:avLst/>
+          </a:prstGeom>
+          <a:noFill/>
+        </p:spPr>
+        <p:txBody>
+          <a:bodyPr wrap="none" rtlCol="0">
+            <a:spAutoFit/>
+          </a:bodyPr>
+          <a:lstStyle/>
+          <a:p>
+            <a:r>
+              <a:rPr lang="en-US" sz="2400" dirty="0">
+                <a:latin typeface="Swell Braille" pitchFamily="49"/>
+              </a:rPr>
+              <a:t>⠈⠣ ⠼⠁⠓⠚⠚⠚⠀⠋⠞⠲</a:t>
+            </a:r>
+          </a:p>
+        </p:txBody>
+      </p:sp>
+      <p:sp>
+        <p:nvSpPr>
+          <p:cNvPr id="39" name="TextBox 38">
+            <a:extLst>
+              <a:ext uri="{FF2B5EF4-FFF2-40B4-BE49-F238E27FC236}">
+                <a16:creationId xmlns:a16="http://schemas.microsoft.com/office/drawing/2014/main" id="{1D679004-A9B8-7045-A062-DE9293D4121C}"/>
+              </a:ext>
+            </a:extLst>
+          </p:cNvPr>
+          <p:cNvSpPr txBox="1"/>
+          <p:nvPr/>
+        </p:nvSpPr>
+        <p:spPr>
+          <a:xfrm>
+            <a:off x="3059290" y="191910"/>
+            <a:ext cx="3526928" cy="461665"/>
+          </a:xfrm>
+          <a:prstGeom prst="rect">
+            <a:avLst/>
+          </a:prstGeom>
+          <a:noFill/>
+        </p:spPr>
+        <p:txBody>
+          <a:bodyPr wrap="none" rtlCol="0">
+            <a:spAutoFit/>
+          </a:bodyPr>
+          <a:lstStyle/>
+          <a:p>
+            <a:r>
               <a:rPr lang="en-US" sz="2400">
                 <a:latin typeface="Swell Braille" pitchFamily="49"/>
               </a:rPr>
-              <a:t>⠌⠗⠁⠞⠕⠧⠕⠇⠉⠁⠝⠕⠀⠕⠗⠀⠉⠕⠍⠏⠕⠎⠊⠞⠑⠀⠉⠐⠕</a:t>
+              <a:t>⠠⠧⠕⠇⠉⠁⠝⠕⠀⠠⠞⠽⠏⠑⠎</a:t>
+            </a:r>
+          </a:p>
+        </p:txBody>
+      </p:sp>
+      <p:sp>
+        <p:nvSpPr>
+          <p:cNvPr id="40" name="TextBox 39">
+            <a:extLst>
+              <a:ext uri="{FF2B5EF4-FFF2-40B4-BE49-F238E27FC236}">
+                <a16:creationId xmlns:a16="http://schemas.microsoft.com/office/drawing/2014/main" id="{15FE16D7-B7CF-FD4B-9643-1B4C1487A554}"/>
+              </a:ext>
+            </a:extLst>
+          </p:cNvPr>
+          <p:cNvSpPr txBox="1"/>
+          <p:nvPr/>
+        </p:nvSpPr>
+        <p:spPr>
+          <a:xfrm>
+            <a:off x="4176889" y="3081864"/>
+            <a:ext cx="2858475" cy="461665"/>
+          </a:xfrm>
+          <a:prstGeom prst="rect">
+            <a:avLst/>
+          </a:prstGeom>
+          <a:noFill/>
+        </p:spPr>
+        <p:txBody>
+          <a:bodyPr wrap="none" rtlCol="0">
+            <a:spAutoFit/>
+          </a:bodyPr>
+          <a:lstStyle/>
+          <a:p>
+            <a:r>
+              <a:rPr lang="en-US" sz="2400" dirty="0">
+                <a:latin typeface="Swell Braille" pitchFamily="49"/>
+              </a:rPr>
+              <a:t>⠈⠣ ⠼⠑⠑⠚⠚⠀⠋⠞⠲</a:t>
             </a:r>
           </a:p>
         </p:txBody>
       </p:sp>
       <p:cxnSp>
         <p:nvCxnSpPr>
-          <p:cNvPr id="30" name="Straight Arrow Connector 29">
+          <p:cNvPr id="21" name="Straight Arrow Connector 20">
             <a:extLst>
               <a:ext uri="{FF2B5EF4-FFF2-40B4-BE49-F238E27FC236}">
-                <a16:creationId xmlns:a16="http://schemas.microsoft.com/office/drawing/2014/main" id="{AC4B0162-071B-594C-AF45-3A16CC65CA6C}"/>
+                <a16:creationId xmlns:a16="http://schemas.microsoft.com/office/drawing/2014/main" id="{D9229355-9A0A-DF46-9ED7-542ECA153BF4}"/>
               </a:ext>
             </a:extLst>
           </p:cNvPr>
@@ -3825,12 +4010,12 @@
           <a:prstGeom prst="straightConnector1">
             <a:avLst/>
           </a:prstGeom>
-          <a:ln>
+          <a:ln w="22225">
             <a:solidFill>
               <a:schemeClr val="tx1"/>
             </a:solidFill>
-            <a:headEnd type="triangle" w="med" len="med"/>
-            <a:tailEnd type="triangle"/>
+            <a:headEnd type="triangle" w="lg" len="lg"/>
+            <a:tailEnd type="triangle" w="lg" len="lg"/>
           </a:ln>
         </p:spPr>
         <p:style>
@@ -3850,10 +4035,10 @@
       </p:cxnSp>
       <p:cxnSp>
         <p:nvCxnSpPr>
-          <p:cNvPr id="31" name="Straight Arrow Connector 30">
+          <p:cNvPr id="24" name="Straight Arrow Connector 23">
             <a:extLst>
               <a:ext uri="{FF2B5EF4-FFF2-40B4-BE49-F238E27FC236}">
-                <a16:creationId xmlns:a16="http://schemas.microsoft.com/office/drawing/2014/main" id="{A5C58631-5815-7244-8C79-C86F78CE26F6}"/>
+                <a16:creationId xmlns:a16="http://schemas.microsoft.com/office/drawing/2014/main" id="{61FF4E47-0487-8442-B78C-A1A576488C7D}"/>
               </a:ext>
             </a:extLst>
           </p:cNvPr>
@@ -3870,131 +4055,12 @@
           <a:prstGeom prst="straightConnector1">
             <a:avLst/>
           </a:prstGeom>
-          <a:ln>
+          <a:ln w="22225">
             <a:solidFill>
               <a:schemeClr val="tx1"/>
             </a:solidFill>
-            <a:headEnd type="triangle" w="med" len="med"/>
-            <a:tailEnd type="triangle"/>
-          </a:ln>
-        </p:spPr>
-        <p:style>
-          <a:lnRef idx="1">
-            <a:schemeClr val="accent1"/>
-          </a:lnRef>
-          <a:fillRef idx="0">
-            <a:schemeClr val="accent1"/>
-          </a:fillRef>
-          <a:effectRef idx="0">
-            <a:schemeClr val="accent1"/>
-          </a:effectRef>
-          <a:fontRef idx="minor">
-            <a:schemeClr val="tx1"/>
-          </a:fontRef>
-        </p:style>
-      </p:cxnSp>
-      <p:sp>
-        <p:nvSpPr>
-          <p:cNvPr id="32" name="TextBox 31">
-            <a:extLst>
-              <a:ext uri="{FF2B5EF4-FFF2-40B4-BE49-F238E27FC236}">
-                <a16:creationId xmlns:a16="http://schemas.microsoft.com/office/drawing/2014/main" id="{CB56D552-535E-9D42-A509-E30A905F6CB9}"/>
-              </a:ext>
-            </a:extLst>
-          </p:cNvPr>
-          <p:cNvSpPr txBox="1"/>
-          <p:nvPr/>
-        </p:nvSpPr>
-        <p:spPr>
-          <a:xfrm>
-            <a:off x="112889" y="4143022"/>
-            <a:ext cx="3304110" cy="461665"/>
-          </a:xfrm>
-          <a:prstGeom prst="rect">
-            <a:avLst/>
-          </a:prstGeom>
-          <a:noFill/>
-        </p:spPr>
-        <p:txBody>
-          <a:bodyPr wrap="none" rtlCol="0">
-            <a:spAutoFit/>
-          </a:bodyPr>
-          <a:lstStyle/>
-          <a:p>
-            <a:r>
-              <a:rPr lang="en-US" sz="2400">
-                <a:latin typeface="Swell Braille" pitchFamily="49"/>
-              </a:rPr>
-              <a:t>⠈⠣⠀⠼⠓⠂⠼⠚⠚⠚⠀⠋⠞⠲</a:t>
-            </a:r>
-          </a:p>
-        </p:txBody>
-      </p:sp>
-      <p:sp>
-        <p:nvSpPr>
-          <p:cNvPr id="33" name="TextBox 32">
-            <a:extLst>
-              <a:ext uri="{FF2B5EF4-FFF2-40B4-BE49-F238E27FC236}">
-                <a16:creationId xmlns:a16="http://schemas.microsoft.com/office/drawing/2014/main" id="{41E71855-08E9-A94E-B36E-F6874C40535E}"/>
-              </a:ext>
-            </a:extLst>
-          </p:cNvPr>
-          <p:cNvSpPr txBox="1"/>
-          <p:nvPr/>
-        </p:nvSpPr>
-        <p:spPr>
-          <a:xfrm>
-            <a:off x="503011" y="2602087"/>
-            <a:ext cx="3304110" cy="461665"/>
-          </a:xfrm>
-          <a:prstGeom prst="rect">
-            <a:avLst/>
-          </a:prstGeom>
-          <a:noFill/>
-        </p:spPr>
-        <p:txBody>
-          <a:bodyPr wrap="none" rtlCol="0">
-            <a:spAutoFit/>
-          </a:bodyPr>
-          <a:lstStyle/>
-          <a:p>
-            <a:r>
-              <a:rPr lang="en-US" sz="2400">
-                <a:latin typeface="Swell Braille" pitchFamily="49"/>
-              </a:rPr>
-              <a:t>⠈⠣⠀⠼⠁⠂⠼⠃⠚⠚⠀⠋⠞⠲</a:t>
-            </a:r>
-          </a:p>
-        </p:txBody>
-      </p:sp>
-      <p:cxnSp>
-        <p:nvCxnSpPr>
-          <p:cNvPr id="34" name="Straight Arrow Connector 33">
-            <a:extLst>
-              <a:ext uri="{FF2B5EF4-FFF2-40B4-BE49-F238E27FC236}">
-                <a16:creationId xmlns:a16="http://schemas.microsoft.com/office/drawing/2014/main" id="{E66E3A65-C9CB-B04B-9D15-71DFF3275DBB}"/>
-              </a:ext>
-            </a:extLst>
-          </p:cNvPr>
-          <p:cNvCxnSpPr>
-            <a:cxnSpLocks/>
-          </p:cNvCxnSpPr>
-          <p:nvPr/>
-        </p:nvCxnSpPr>
-        <p:spPr>
-          <a:xfrm flipV="1">
-            <a:off x="1332088" y="1253067"/>
-            <a:ext cx="0" cy="485422"/>
-          </a:xfrm>
-          <a:prstGeom prst="straightConnector1">
-            <a:avLst/>
-          </a:prstGeom>
-          <a:ln>
-            <a:solidFill>
-              <a:schemeClr val="tx1"/>
-            </a:solidFill>
-            <a:headEnd type="triangle" w="med" len="med"/>
-            <a:tailEnd type="triangle"/>
+            <a:headEnd type="triangle" w="lg" len="lg"/>
+            <a:tailEnd type="triangle" w="lg" len="lg"/>
           </a:ln>
         </p:spPr>
         <p:style>
@@ -4014,10 +4080,10 @@
       </p:cxnSp>
       <p:cxnSp>
         <p:nvCxnSpPr>
-          <p:cNvPr id="35" name="Straight Arrow Connector 34">
+          <p:cNvPr id="25" name="Straight Arrow Connector 24">
             <a:extLst>
               <a:ext uri="{FF2B5EF4-FFF2-40B4-BE49-F238E27FC236}">
-                <a16:creationId xmlns:a16="http://schemas.microsoft.com/office/drawing/2014/main" id="{0C70CCE7-5AA7-1B46-8975-4BF0F0C0C83F}"/>
+                <a16:creationId xmlns:a16="http://schemas.microsoft.com/office/drawing/2014/main" id="{0A0CDC95-91D1-3E4F-9F2A-1BA631AB31E1}"/>
               </a:ext>
             </a:extLst>
           </p:cNvPr>
@@ -4028,18 +4094,18 @@
         </p:nvCxnSpPr>
         <p:spPr>
           <a:xfrm flipV="1">
-            <a:off x="1241777" y="4594578"/>
-            <a:ext cx="0" cy="959555"/>
+            <a:off x="1332088" y="1253067"/>
+            <a:ext cx="0" cy="485422"/>
           </a:xfrm>
           <a:prstGeom prst="straightConnector1">
             <a:avLst/>
           </a:prstGeom>
-          <a:ln>
+          <a:ln w="22225">
             <a:solidFill>
               <a:schemeClr val="tx1"/>
             </a:solidFill>
-            <a:headEnd type="triangle" w="med" len="med"/>
-            <a:tailEnd type="triangle"/>
+            <a:headEnd type="triangle" w="lg" len="lg"/>
+            <a:tailEnd type="triangle" w="lg" len="lg"/>
           </a:ln>
         </p:spPr>
         <p:style>
@@ -4057,117 +4123,51 @@
           </a:fontRef>
         </p:style>
       </p:cxnSp>
-      <p:sp>
-        <p:nvSpPr>
-          <p:cNvPr id="38" name="TextBox 37">
+      <p:cxnSp>
+        <p:nvCxnSpPr>
+          <p:cNvPr id="36" name="Straight Arrow Connector 35">
             <a:extLst>
               <a:ext uri="{FF2B5EF4-FFF2-40B4-BE49-F238E27FC236}">
-                <a16:creationId xmlns:a16="http://schemas.microsoft.com/office/drawing/2014/main" id="{FD10E7E2-2C9F-6D47-A1A0-2AAD85B136A0}"/>
+                <a16:creationId xmlns:a16="http://schemas.microsoft.com/office/drawing/2014/main" id="{C4011EF7-456A-ED4C-9EEE-003C75B91E4C}"/>
               </a:ext>
             </a:extLst>
           </p:cNvPr>
-          <p:cNvSpPr txBox="1"/>
+          <p:cNvCxnSpPr>
+            <a:cxnSpLocks/>
+          </p:cNvCxnSpPr>
           <p:nvPr/>
-        </p:nvSpPr>
-        <p:spPr>
-          <a:xfrm>
-            <a:off x="0" y="835376"/>
-            <a:ext cx="3526928" cy="461665"/>
-          </a:xfrm>
-          <a:prstGeom prst="rect">
+        </p:nvCxnSpPr>
+        <p:spPr>
+          <a:xfrm flipV="1">
+            <a:off x="1241777" y="4594578"/>
+            <a:ext cx="0" cy="959555"/>
+          </a:xfrm>
+          <a:prstGeom prst="straightConnector1">
             <a:avLst/>
           </a:prstGeom>
-          <a:noFill/>
-        </p:spPr>
-        <p:txBody>
-          <a:bodyPr wrap="none" rtlCol="0">
-            <a:spAutoFit/>
-          </a:bodyPr>
-          <a:lstStyle/>
-          <a:p>
-            <a:r>
-              <a:rPr lang="en-US" sz="2400">
-                <a:latin typeface="Swell Braille" pitchFamily="49"/>
-              </a:rPr>
-              <a:t>⠈⠣⠀⠼⠁⠓⠂⠼⠚⠚⠚⠀⠋⠞⠲</a:t>
-            </a:r>
-          </a:p>
-        </p:txBody>
-      </p:sp>
-      <p:sp>
-        <p:nvSpPr>
-          <p:cNvPr id="39" name="TextBox 38">
-            <a:extLst>
-              <a:ext uri="{FF2B5EF4-FFF2-40B4-BE49-F238E27FC236}">
-                <a16:creationId xmlns:a16="http://schemas.microsoft.com/office/drawing/2014/main" id="{1D679004-A9B8-7045-A062-DE9293D4121C}"/>
-              </a:ext>
-            </a:extLst>
-          </p:cNvPr>
-          <p:cNvSpPr txBox="1"/>
-          <p:nvPr/>
-        </p:nvSpPr>
-        <p:spPr>
-          <a:xfrm>
-            <a:off x="3059290" y="191910"/>
-            <a:ext cx="3526928" cy="461665"/>
-          </a:xfrm>
-          <a:prstGeom prst="rect">
-            <a:avLst/>
-          </a:prstGeom>
-          <a:noFill/>
-        </p:spPr>
-        <p:txBody>
-          <a:bodyPr wrap="none" rtlCol="0">
-            <a:spAutoFit/>
-          </a:bodyPr>
-          <a:lstStyle/>
-          <a:p>
-            <a:r>
-              <a:rPr lang="en-US" sz="2400">
-                <a:latin typeface="Swell Braille" pitchFamily="49"/>
-              </a:rPr>
-              <a:t>⠠⠧⠕⠇⠉⠁⠝⠕⠀⠠⠞⠽⠏⠑⠎</a:t>
-            </a:r>
-          </a:p>
-        </p:txBody>
-      </p:sp>
-      <p:sp>
-        <p:nvSpPr>
-          <p:cNvPr id="40" name="TextBox 39">
-            <a:extLst>
-              <a:ext uri="{FF2B5EF4-FFF2-40B4-BE49-F238E27FC236}">
-                <a16:creationId xmlns:a16="http://schemas.microsoft.com/office/drawing/2014/main" id="{15FE16D7-B7CF-FD4B-9643-1B4C1487A554}"/>
-              </a:ext>
-            </a:extLst>
-          </p:cNvPr>
-          <p:cNvSpPr txBox="1"/>
-          <p:nvPr/>
-        </p:nvSpPr>
-        <p:spPr>
-          <a:xfrm>
-            <a:off x="4176889" y="3081864"/>
-            <a:ext cx="3304110" cy="461665"/>
-          </a:xfrm>
-          <a:prstGeom prst="rect">
-            <a:avLst/>
-          </a:prstGeom>
-          <a:noFill/>
-        </p:spPr>
-        <p:txBody>
-          <a:bodyPr wrap="none" rtlCol="0">
-            <a:spAutoFit/>
-          </a:bodyPr>
-          <a:lstStyle/>
-          <a:p>
-            <a:r>
-              <a:rPr lang="en-US" sz="2400">
-                <a:latin typeface="Swell Braille" pitchFamily="49"/>
-              </a:rPr>
-              <a:t>⠈⠣⠀⠼⠑⠂⠼⠑⠚⠚⠀⠋⠞⠲</a:t>
-            </a:r>
-          </a:p>
-        </p:txBody>
-      </p:sp>
+          <a:ln w="22225">
+            <a:solidFill>
+              <a:schemeClr val="tx1"/>
+            </a:solidFill>
+            <a:headEnd type="triangle" w="lg" len="lg"/>
+            <a:tailEnd type="triangle" w="lg" len="lg"/>
+          </a:ln>
+        </p:spPr>
+        <p:style>
+          <a:lnRef idx="1">
+            <a:schemeClr val="accent1"/>
+          </a:lnRef>
+          <a:fillRef idx="0">
+            <a:schemeClr val="accent1"/>
+          </a:fillRef>
+          <a:effectRef idx="0">
+            <a:schemeClr val="accent1"/>
+          </a:effectRef>
+          <a:fontRef idx="minor">
+            <a:schemeClr val="tx1"/>
+          </a:fontRef>
+        </p:style>
+      </p:cxnSp>
     </p:spTree>
     <p:extLst>
       <p:ext uri="{BB962C8B-B14F-4D97-AF65-F5344CB8AC3E}">
